--- a/Capstone_Project-The_Battle_of_Neighborhoods.pptx
+++ b/Capstone_Project-The_Battle_of_Neighborhoods.pptx
@@ -8,6 +8,9 @@
     <p:sldId id="256" r:id="rId2"/>
     <p:sldId id="257" r:id="rId3"/>
     <p:sldId id="258" r:id="rId4"/>
+    <p:sldId id="259" r:id="rId5"/>
+    <p:sldId id="260" r:id="rId6"/>
+    <p:sldId id="261" r:id="rId7"/>
   </p:sldIdLst>
   <p:sldSz cx="12192000" cy="6858000"/>
   <p:notesSz cx="6858000" cy="9144000"/>
@@ -106,6 +109,11 @@
       </a:defRPr>
     </a:lvl9pPr>
   </p:defaultTextStyle>
+  <p:extLst>
+    <p:ext uri="{EFAFB233-063F-42B5-8137-9DF3F51BA10A}">
+      <p15:sldGuideLst xmlns:p15="http://schemas.microsoft.com/office/powerpoint/2012/main"/>
+    </p:ext>
+  </p:extLst>
 </p:presentation>
 </file>
 
@@ -4338,6 +4346,407 @@
 </p:sld>
 </file>
 
+<file path=ppt/slides/slide4.xml><?xml version="1.0" encoding="utf-8"?>
+<p:sld xmlns:a="http://schemas.openxmlformats.org/drawingml/2006/main" xmlns:r="http://schemas.openxmlformats.org/officeDocument/2006/relationships" xmlns:p="http://schemas.openxmlformats.org/presentationml/2006/main">
+  <p:cSld>
+    <p:spTree>
+      <p:nvGrpSpPr>
+        <p:cNvPr id="1" name=""/>
+        <p:cNvGrpSpPr/>
+        <p:nvPr/>
+      </p:nvGrpSpPr>
+      <p:grpSpPr>
+        <a:xfrm>
+          <a:off x="0" y="0"/>
+          <a:ext cx="0" cy="0"/>
+          <a:chOff x="0" y="0"/>
+          <a:chExt cx="0" cy="0"/>
+        </a:xfrm>
+      </p:grpSpPr>
+      <p:sp>
+        <p:nvSpPr>
+          <p:cNvPr id="2" name="Title 1">
+            <a:extLst>
+              <a:ext uri="{FF2B5EF4-FFF2-40B4-BE49-F238E27FC236}">
+                <a16:creationId xmlns:a16="http://schemas.microsoft.com/office/drawing/2014/main" id="{F785C88A-869F-4E47-8444-A3A4D98DE2C1}"/>
+              </a:ext>
+            </a:extLst>
+          </p:cNvPr>
+          <p:cNvSpPr>
+            <a:spLocks noGrp="1"/>
+          </p:cNvSpPr>
+          <p:nvPr>
+            <p:ph type="title"/>
+          </p:nvPr>
+        </p:nvSpPr>
+        <p:spPr/>
+        <p:txBody>
+          <a:bodyPr/>
+          <a:lstStyle/>
+          <a:p>
+            <a:r>
+              <a:rPr lang="en-IN" b="1" dirty="0"/>
+              <a:t>Methodology</a:t>
+            </a:r>
+            <a:endParaRPr lang="en-IN" dirty="0"/>
+          </a:p>
+        </p:txBody>
+      </p:sp>
+      <p:sp>
+        <p:nvSpPr>
+          <p:cNvPr id="3" name="Content Placeholder 2">
+            <a:extLst>
+              <a:ext uri="{FF2B5EF4-FFF2-40B4-BE49-F238E27FC236}">
+                <a16:creationId xmlns:a16="http://schemas.microsoft.com/office/drawing/2014/main" id="{36E8101A-CC6A-4A75-90E4-5378543EDCB0}"/>
+              </a:ext>
+            </a:extLst>
+          </p:cNvPr>
+          <p:cNvSpPr>
+            <a:spLocks noGrp="1"/>
+          </p:cNvSpPr>
+          <p:nvPr>
+            <p:ph idx="1"/>
+          </p:nvPr>
+        </p:nvSpPr>
+        <p:spPr/>
+        <p:txBody>
+          <a:bodyPr/>
+          <a:lstStyle/>
+          <a:p>
+            <a:r>
+              <a:rPr lang="en-US" dirty="0"/>
+              <a:t>Data set will include neighborhood details of </a:t>
+            </a:r>
+            <a:r>
+              <a:rPr lang="en-IN" dirty="0"/>
+              <a:t>Brooklyn</a:t>
+            </a:r>
+            <a:r>
+              <a:rPr lang="en-US" dirty="0"/>
+              <a:t> and </a:t>
+            </a:r>
+            <a:r>
+              <a:rPr lang="en-IN" dirty="0"/>
+              <a:t>Manhattan, New York</a:t>
+            </a:r>
+            <a:r>
+              <a:rPr lang="en-US" dirty="0"/>
+              <a:t> along with the </a:t>
+            </a:r>
+            <a:r>
+              <a:rPr lang="en-US" dirty="0" err="1"/>
+              <a:t>zipcode</a:t>
+            </a:r>
+            <a:r>
+              <a:rPr lang="en-US" dirty="0"/>
+              <a:t>, latitude and longitude information which will be used to access the Foursquare APIs</a:t>
+            </a:r>
+          </a:p>
+          <a:p>
+            <a:endParaRPr lang="en-US" dirty="0"/>
+          </a:p>
+          <a:p>
+            <a:r>
+              <a:rPr lang="en-US" dirty="0"/>
+              <a:t>Use Foursquare API to retrieve all venues for each neighborhoods</a:t>
+            </a:r>
+          </a:p>
+          <a:p>
+            <a:r>
+              <a:rPr lang="en-US" dirty="0"/>
+              <a:t>Group the venues together for each neighborhood</a:t>
+            </a:r>
+          </a:p>
+          <a:p>
+            <a:r>
+              <a:rPr lang="en-US" dirty="0"/>
+              <a:t>Determine count of venues and then filter top 10 most common venue types for each neighborhoods</a:t>
+            </a:r>
+          </a:p>
+          <a:p>
+            <a:endParaRPr lang="en-US" dirty="0"/>
+          </a:p>
+        </p:txBody>
+      </p:sp>
+    </p:spTree>
+    <p:extLst>
+      <p:ext uri="{BB962C8B-B14F-4D97-AF65-F5344CB8AC3E}">
+        <p14:creationId xmlns:p14="http://schemas.microsoft.com/office/powerpoint/2010/main" val="3426661577"/>
+      </p:ext>
+    </p:extLst>
+  </p:cSld>
+  <p:clrMapOvr>
+    <a:masterClrMapping/>
+  </p:clrMapOvr>
+</p:sld>
+</file>
+
+<file path=ppt/slides/slide5.xml><?xml version="1.0" encoding="utf-8"?>
+<p:sld xmlns:a="http://schemas.openxmlformats.org/drawingml/2006/main" xmlns:r="http://schemas.openxmlformats.org/officeDocument/2006/relationships" xmlns:p="http://schemas.openxmlformats.org/presentationml/2006/main">
+  <p:cSld>
+    <p:spTree>
+      <p:nvGrpSpPr>
+        <p:cNvPr id="1" name=""/>
+        <p:cNvGrpSpPr/>
+        <p:nvPr/>
+      </p:nvGrpSpPr>
+      <p:grpSpPr>
+        <a:xfrm>
+          <a:off x="0" y="0"/>
+          <a:ext cx="0" cy="0"/>
+          <a:chOff x="0" y="0"/>
+          <a:chExt cx="0" cy="0"/>
+        </a:xfrm>
+      </p:grpSpPr>
+      <p:sp>
+        <p:nvSpPr>
+          <p:cNvPr id="2" name="Title 1">
+            <a:extLst>
+              <a:ext uri="{FF2B5EF4-FFF2-40B4-BE49-F238E27FC236}">
+                <a16:creationId xmlns:a16="http://schemas.microsoft.com/office/drawing/2014/main" id="{F785C88A-869F-4E47-8444-A3A4D98DE2C1}"/>
+              </a:ext>
+            </a:extLst>
+          </p:cNvPr>
+          <p:cNvSpPr>
+            <a:spLocks noGrp="1"/>
+          </p:cNvSpPr>
+          <p:nvPr>
+            <p:ph type="title"/>
+          </p:nvPr>
+        </p:nvSpPr>
+        <p:spPr/>
+        <p:txBody>
+          <a:bodyPr/>
+          <a:lstStyle/>
+          <a:p>
+            <a:r>
+              <a:rPr lang="en-US" dirty="0"/>
+              <a:t>Results</a:t>
+            </a:r>
+            <a:endParaRPr lang="en-IN" dirty="0"/>
+          </a:p>
+        </p:txBody>
+      </p:sp>
+      <p:sp>
+        <p:nvSpPr>
+          <p:cNvPr id="3" name="Content Placeholder 2">
+            <a:extLst>
+              <a:ext uri="{FF2B5EF4-FFF2-40B4-BE49-F238E27FC236}">
+                <a16:creationId xmlns:a16="http://schemas.microsoft.com/office/drawing/2014/main" id="{36E8101A-CC6A-4A75-90E4-5378543EDCB0}"/>
+              </a:ext>
+            </a:extLst>
+          </p:cNvPr>
+          <p:cNvSpPr>
+            <a:spLocks noGrp="1"/>
+          </p:cNvSpPr>
+          <p:nvPr>
+            <p:ph idx="1"/>
+          </p:nvPr>
+        </p:nvSpPr>
+        <p:spPr/>
+        <p:txBody>
+          <a:bodyPr>
+            <a:normAutofit/>
+          </a:bodyPr>
+          <a:lstStyle/>
+          <a:p>
+            <a:r>
+              <a:rPr lang="en-US" dirty="0"/>
+              <a:t>Manhattan (3247 venues) has more venues than Brooklyn (1653 venues)</a:t>
+            </a:r>
+          </a:p>
+          <a:p>
+            <a:r>
+              <a:rPr lang="en-US" dirty="0"/>
+              <a:t>In Brooklyn, </a:t>
+            </a:r>
+            <a:r>
+              <a:rPr lang="en-IN" dirty="0"/>
+              <a:t>Northwest Brooklyn has the most number of venues and In Manhattan, Chelsea &amp; Clinton  has the most number of venues.</a:t>
+            </a:r>
+            <a:endParaRPr lang="en-US" dirty="0"/>
+          </a:p>
+          <a:p>
+            <a:r>
+              <a:rPr lang="en-IN" dirty="0"/>
+              <a:t>Northwest Brooklyn </a:t>
+            </a:r>
+            <a:r>
+              <a:rPr lang="en-US" dirty="0"/>
+              <a:t>has a large number of Bars and </a:t>
+            </a:r>
+            <a:r>
+              <a:rPr lang="en-IN" dirty="0"/>
+              <a:t>Deli / Bodega </a:t>
+            </a:r>
+            <a:r>
+              <a:rPr lang="en-US" dirty="0"/>
+              <a:t>&amp; Chelsea and Clinton has a large number of Theater and Coffeeshops</a:t>
+            </a:r>
+          </a:p>
+          <a:p>
+            <a:r>
+              <a:rPr lang="en-US" dirty="0"/>
+              <a:t>In Brooklyn, </a:t>
+            </a:r>
+            <a:r>
+              <a:rPr lang="en-IN" dirty="0"/>
+              <a:t>Canarsie and Flatlands has a varied list of venues - Pizza Place, Bus Station, Shoe Store, etc and In Manhattan, Greenwich Village and Soho has Italian Restaurant, Clothing Store, Gym etc</a:t>
+            </a:r>
+            <a:endParaRPr lang="en-US" dirty="0"/>
+          </a:p>
+          <a:p>
+            <a:r>
+              <a:rPr lang="en-US" dirty="0"/>
+              <a:t>In Brooklyn, Bars are the most common venue and In Manhattan, </a:t>
+            </a:r>
+            <a:r>
+              <a:rPr lang="en-IN" dirty="0"/>
+              <a:t>Coffee Shops are the most common venue.</a:t>
+            </a:r>
+          </a:p>
+          <a:p>
+            <a:r>
+              <a:rPr lang="en-IN" dirty="0"/>
+              <a:t>Manhattan is more food oriented than Brooklyn.</a:t>
+            </a:r>
+            <a:endParaRPr lang="en-US" dirty="0"/>
+          </a:p>
+        </p:txBody>
+      </p:sp>
+    </p:spTree>
+    <p:extLst>
+      <p:ext uri="{BB962C8B-B14F-4D97-AF65-F5344CB8AC3E}">
+        <p14:creationId xmlns:p14="http://schemas.microsoft.com/office/powerpoint/2010/main" val="4191718907"/>
+      </p:ext>
+    </p:extLst>
+  </p:cSld>
+  <p:clrMapOvr>
+    <a:masterClrMapping/>
+  </p:clrMapOvr>
+</p:sld>
+</file>
+
+<file path=ppt/slides/slide6.xml><?xml version="1.0" encoding="utf-8"?>
+<p:sld xmlns:a="http://schemas.openxmlformats.org/drawingml/2006/main" xmlns:r="http://schemas.openxmlformats.org/officeDocument/2006/relationships" xmlns:p="http://schemas.openxmlformats.org/presentationml/2006/main">
+  <p:cSld>
+    <p:spTree>
+      <p:nvGrpSpPr>
+        <p:cNvPr id="1" name=""/>
+        <p:cNvGrpSpPr/>
+        <p:nvPr/>
+      </p:nvGrpSpPr>
+      <p:grpSpPr>
+        <a:xfrm>
+          <a:off x="0" y="0"/>
+          <a:ext cx="0" cy="0"/>
+          <a:chOff x="0" y="0"/>
+          <a:chExt cx="0" cy="0"/>
+        </a:xfrm>
+      </p:grpSpPr>
+      <p:sp>
+        <p:nvSpPr>
+          <p:cNvPr id="2" name="Title 1">
+            <a:extLst>
+              <a:ext uri="{FF2B5EF4-FFF2-40B4-BE49-F238E27FC236}">
+                <a16:creationId xmlns:a16="http://schemas.microsoft.com/office/drawing/2014/main" id="{F785C88A-869F-4E47-8444-A3A4D98DE2C1}"/>
+              </a:ext>
+            </a:extLst>
+          </p:cNvPr>
+          <p:cNvSpPr>
+            <a:spLocks noGrp="1"/>
+          </p:cNvSpPr>
+          <p:nvPr>
+            <p:ph type="title"/>
+          </p:nvPr>
+        </p:nvSpPr>
+        <p:spPr/>
+        <p:txBody>
+          <a:bodyPr/>
+          <a:lstStyle/>
+          <a:p>
+            <a:r>
+              <a:rPr lang="en-US" dirty="0"/>
+              <a:t>Conclusion</a:t>
+            </a:r>
+            <a:endParaRPr lang="en-IN" dirty="0"/>
+          </a:p>
+        </p:txBody>
+      </p:sp>
+      <p:sp>
+        <p:nvSpPr>
+          <p:cNvPr id="3" name="Content Placeholder 2">
+            <a:extLst>
+              <a:ext uri="{FF2B5EF4-FFF2-40B4-BE49-F238E27FC236}">
+                <a16:creationId xmlns:a16="http://schemas.microsoft.com/office/drawing/2014/main" id="{36E8101A-CC6A-4A75-90E4-5378543EDCB0}"/>
+              </a:ext>
+            </a:extLst>
+          </p:cNvPr>
+          <p:cNvSpPr>
+            <a:spLocks noGrp="1"/>
+          </p:cNvSpPr>
+          <p:nvPr>
+            <p:ph idx="1"/>
+          </p:nvPr>
+        </p:nvSpPr>
+        <p:spPr/>
+        <p:txBody>
+          <a:bodyPr>
+            <a:normAutofit/>
+          </a:bodyPr>
+          <a:lstStyle/>
+          <a:p>
+            <a:r>
+              <a:rPr lang="en-IN" dirty="0"/>
+              <a:t>Tourist can enjoy local food in coffee shops and restaurants more in Manhattan than Brooklyn.</a:t>
+            </a:r>
+          </a:p>
+          <a:p>
+            <a:r>
+              <a:rPr lang="en-US" dirty="0"/>
+              <a:t>M</a:t>
+            </a:r>
+            <a:r>
+              <a:rPr lang="en-IN" dirty="0" err="1"/>
+              <a:t>anhattan</a:t>
+            </a:r>
+            <a:r>
+              <a:rPr lang="en-IN" dirty="0"/>
+              <a:t> is good for business owners to start something in food industry.</a:t>
+            </a:r>
+          </a:p>
+          <a:p>
+            <a:r>
+              <a:rPr lang="en-US" dirty="0"/>
+              <a:t>B</a:t>
+            </a:r>
+            <a:r>
+              <a:rPr lang="en-IN" dirty="0" err="1"/>
+              <a:t>rooklyn</a:t>
+            </a:r>
+            <a:r>
+              <a:rPr lang="en-IN" dirty="0"/>
+              <a:t> is the best place to get a drink and hangout with friend/family.</a:t>
+            </a:r>
+          </a:p>
+          <a:p>
+            <a:endParaRPr lang="en-US" dirty="0"/>
+          </a:p>
+        </p:txBody>
+      </p:sp>
+    </p:spTree>
+    <p:extLst>
+      <p:ext uri="{BB962C8B-B14F-4D97-AF65-F5344CB8AC3E}">
+        <p14:creationId xmlns:p14="http://schemas.microsoft.com/office/powerpoint/2010/main" val="1762468423"/>
+      </p:ext>
+    </p:extLst>
+  </p:cSld>
+  <p:clrMapOvr>
+    <a:masterClrMapping/>
+  </p:clrMapOvr>
+</p:sld>
+</file>
+
 <file path=ppt/theme/theme1.xml><?xml version="1.0" encoding="utf-8"?>
 <a:theme xmlns:a="http://schemas.openxmlformats.org/drawingml/2006/main" name="Wood Type">
   <a:themeElements>
